--- a/1_Week1_Reading,/chapter 1.pptx
+++ b/1_Week1_Reading,/chapter 1.pptx
@@ -112,6 +112,11 @@
       </a:defRPr>
     </a:lvl9pPr>
   </p:defaultTextStyle>
+  <p:extLst>
+    <p:ext uri="{EFAFB233-063F-42B5-8137-9DF3F51BA10A}">
+      <p15:sldGuideLst xmlns:p15="http://schemas.microsoft.com/office/powerpoint/2012/main"/>
+    </p:ext>
+  </p:extLst>
 </p:presentation>
 </file>
 
@@ -264,7 +269,7 @@
           <a:p>
             <a:fld id="{340AA843-EBB5-472D-A3AD-2CB023C1207B}" type="datetimeFigureOut">
               <a:rPr lang="en-GB" smtClean="0"/>
-              <a:t>15/03/2025</a:t>
+              <a:t>02/05/2025</a:t>
             </a:fld>
             <a:endParaRPr lang="en-GB"/>
           </a:p>
@@ -464,7 +469,7 @@
           <a:p>
             <a:fld id="{340AA843-EBB5-472D-A3AD-2CB023C1207B}" type="datetimeFigureOut">
               <a:rPr lang="en-GB" smtClean="0"/>
-              <a:t>15/03/2025</a:t>
+              <a:t>02/05/2025</a:t>
             </a:fld>
             <a:endParaRPr lang="en-GB"/>
           </a:p>
@@ -674,7 +679,7 @@
           <a:p>
             <a:fld id="{340AA843-EBB5-472D-A3AD-2CB023C1207B}" type="datetimeFigureOut">
               <a:rPr lang="en-GB" smtClean="0"/>
-              <a:t>15/03/2025</a:t>
+              <a:t>02/05/2025</a:t>
             </a:fld>
             <a:endParaRPr lang="en-GB"/>
           </a:p>
@@ -874,7 +879,7 @@
           <a:p>
             <a:fld id="{340AA843-EBB5-472D-A3AD-2CB023C1207B}" type="datetimeFigureOut">
               <a:rPr lang="en-GB" smtClean="0"/>
-              <a:t>15/03/2025</a:t>
+              <a:t>02/05/2025</a:t>
             </a:fld>
             <a:endParaRPr lang="en-GB"/>
           </a:p>
@@ -1150,7 +1155,7 @@
           <a:p>
             <a:fld id="{340AA843-EBB5-472D-A3AD-2CB023C1207B}" type="datetimeFigureOut">
               <a:rPr lang="en-GB" smtClean="0"/>
-              <a:t>15/03/2025</a:t>
+              <a:t>02/05/2025</a:t>
             </a:fld>
             <a:endParaRPr lang="en-GB"/>
           </a:p>
@@ -1418,7 +1423,7 @@
           <a:p>
             <a:fld id="{340AA843-EBB5-472D-A3AD-2CB023C1207B}" type="datetimeFigureOut">
               <a:rPr lang="en-GB" smtClean="0"/>
-              <a:t>15/03/2025</a:t>
+              <a:t>02/05/2025</a:t>
             </a:fld>
             <a:endParaRPr lang="en-GB"/>
           </a:p>
@@ -1833,7 +1838,7 @@
           <a:p>
             <a:fld id="{340AA843-EBB5-472D-A3AD-2CB023C1207B}" type="datetimeFigureOut">
               <a:rPr lang="en-GB" smtClean="0"/>
-              <a:t>15/03/2025</a:t>
+              <a:t>02/05/2025</a:t>
             </a:fld>
             <a:endParaRPr lang="en-GB"/>
           </a:p>
@@ -1975,7 +1980,7 @@
           <a:p>
             <a:fld id="{340AA843-EBB5-472D-A3AD-2CB023C1207B}" type="datetimeFigureOut">
               <a:rPr lang="en-GB" smtClean="0"/>
-              <a:t>15/03/2025</a:t>
+              <a:t>02/05/2025</a:t>
             </a:fld>
             <a:endParaRPr lang="en-GB"/>
           </a:p>
@@ -2088,7 +2093,7 @@
           <a:p>
             <a:fld id="{340AA843-EBB5-472D-A3AD-2CB023C1207B}" type="datetimeFigureOut">
               <a:rPr lang="en-GB" smtClean="0"/>
-              <a:t>15/03/2025</a:t>
+              <a:t>02/05/2025</a:t>
             </a:fld>
             <a:endParaRPr lang="en-GB"/>
           </a:p>
@@ -2401,7 +2406,7 @@
           <a:p>
             <a:fld id="{340AA843-EBB5-472D-A3AD-2CB023C1207B}" type="datetimeFigureOut">
               <a:rPr lang="en-GB" smtClean="0"/>
-              <a:t>15/03/2025</a:t>
+              <a:t>02/05/2025</a:t>
             </a:fld>
             <a:endParaRPr lang="en-GB"/>
           </a:p>
@@ -2690,7 +2695,7 @@
           <a:p>
             <a:fld id="{340AA843-EBB5-472D-A3AD-2CB023C1207B}" type="datetimeFigureOut">
               <a:rPr lang="en-GB" smtClean="0"/>
-              <a:t>15/03/2025</a:t>
+              <a:t>02/05/2025</a:t>
             </a:fld>
             <a:endParaRPr lang="en-GB"/>
           </a:p>
@@ -2933,7 +2938,7 @@
           <a:p>
             <a:fld id="{340AA843-EBB5-472D-A3AD-2CB023C1207B}" type="datetimeFigureOut">
               <a:rPr lang="en-GB" smtClean="0"/>
-              <a:t>15/03/2025</a:t>
+              <a:t>02/05/2025</a:t>
             </a:fld>
             <a:endParaRPr lang="en-GB"/>
           </a:p>
@@ -4506,7 +4511,7 @@
             </a:r>
             <a:r>
               <a:rPr lang="en-US" dirty="0"/>
-              <a:t>has been reduces by increase in volume, commodification of the market and learning curve [manufacturing cost over time].</a:t>
+              <a:t>has been reduced by increase in volume, commodification of the market and learning curve [manufacturing cost over time].</a:t>
             </a:r>
           </a:p>
           <a:p>
@@ -4518,7 +4523,7 @@
           <a:p>
             <a:r>
               <a:rPr lang="en-GB" dirty="0"/>
-              <a:t>The commoditization of computers has lead to shrinking in the margin of cost and price.</a:t>
+              <a:t>The commoditization of computers has led to shrinking in the margin of cost and price.</a:t>
             </a:r>
           </a:p>
         </p:txBody>
